--- a/Semana05/Caso02/Prototipos.pptx
+++ b/Semana05/Caso02/Prototipos.pptx
@@ -104,6 +104,11 @@
       </a:defRPr>
     </a:lvl9pPr>
   </p:defaultTextStyle>
+  <p:extLst>
+    <p:ext uri="{EFAFB233-063F-42B5-8137-9DF3F51BA10A}">
+      <p15:sldGuideLst xmlns:p15="http://schemas.microsoft.com/office/powerpoint/2012/main"/>
+    </p:ext>
+  </p:extLst>
 </p:presentation>
 </file>
 
@@ -238,7 +243,7 @@
           <a:p>
             <a:fld id="{FCD4EAF1-B267-43B3-9567-E5E586B912C2}" type="datetimeFigureOut">
               <a:rPr lang="en-US" smtClean="0"/>
-              <a:t>9/28/2023</a:t>
+              <a:t>9/29/2023</a:t>
             </a:fld>
             <a:endParaRPr lang="en-US"/>
           </a:p>
@@ -408,7 +413,7 @@
           <a:p>
             <a:fld id="{FCD4EAF1-B267-43B3-9567-E5E586B912C2}" type="datetimeFigureOut">
               <a:rPr lang="en-US" smtClean="0"/>
-              <a:t>9/28/2023</a:t>
+              <a:t>9/29/2023</a:t>
             </a:fld>
             <a:endParaRPr lang="en-US"/>
           </a:p>
@@ -588,7 +593,7 @@
           <a:p>
             <a:fld id="{FCD4EAF1-B267-43B3-9567-E5E586B912C2}" type="datetimeFigureOut">
               <a:rPr lang="en-US" smtClean="0"/>
-              <a:t>9/28/2023</a:t>
+              <a:t>9/29/2023</a:t>
             </a:fld>
             <a:endParaRPr lang="en-US"/>
           </a:p>
@@ -758,7 +763,7 @@
           <a:p>
             <a:fld id="{FCD4EAF1-B267-43B3-9567-E5E586B912C2}" type="datetimeFigureOut">
               <a:rPr lang="en-US" smtClean="0"/>
-              <a:t>9/28/2023</a:t>
+              <a:t>9/29/2023</a:t>
             </a:fld>
             <a:endParaRPr lang="en-US"/>
           </a:p>
@@ -1004,7 +1009,7 @@
           <a:p>
             <a:fld id="{FCD4EAF1-B267-43B3-9567-E5E586B912C2}" type="datetimeFigureOut">
               <a:rPr lang="en-US" smtClean="0"/>
-              <a:t>9/28/2023</a:t>
+              <a:t>9/29/2023</a:t>
             </a:fld>
             <a:endParaRPr lang="en-US"/>
           </a:p>
@@ -1236,7 +1241,7 @@
           <a:p>
             <a:fld id="{FCD4EAF1-B267-43B3-9567-E5E586B912C2}" type="datetimeFigureOut">
               <a:rPr lang="en-US" smtClean="0"/>
-              <a:t>9/28/2023</a:t>
+              <a:t>9/29/2023</a:t>
             </a:fld>
             <a:endParaRPr lang="en-US"/>
           </a:p>
@@ -1603,7 +1608,7 @@
           <a:p>
             <a:fld id="{FCD4EAF1-B267-43B3-9567-E5E586B912C2}" type="datetimeFigureOut">
               <a:rPr lang="en-US" smtClean="0"/>
-              <a:t>9/28/2023</a:t>
+              <a:t>9/29/2023</a:t>
             </a:fld>
             <a:endParaRPr lang="en-US"/>
           </a:p>
@@ -1721,7 +1726,7 @@
           <a:p>
             <a:fld id="{FCD4EAF1-B267-43B3-9567-E5E586B912C2}" type="datetimeFigureOut">
               <a:rPr lang="en-US" smtClean="0"/>
-              <a:t>9/28/2023</a:t>
+              <a:t>9/29/2023</a:t>
             </a:fld>
             <a:endParaRPr lang="en-US"/>
           </a:p>
@@ -1816,7 +1821,7 @@
           <a:p>
             <a:fld id="{FCD4EAF1-B267-43B3-9567-E5E586B912C2}" type="datetimeFigureOut">
               <a:rPr lang="en-US" smtClean="0"/>
-              <a:t>9/28/2023</a:t>
+              <a:t>9/29/2023</a:t>
             </a:fld>
             <a:endParaRPr lang="en-US"/>
           </a:p>
@@ -2093,7 +2098,7 @@
           <a:p>
             <a:fld id="{FCD4EAF1-B267-43B3-9567-E5E586B912C2}" type="datetimeFigureOut">
               <a:rPr lang="en-US" smtClean="0"/>
-              <a:t>9/28/2023</a:t>
+              <a:t>9/29/2023</a:t>
             </a:fld>
             <a:endParaRPr lang="en-US"/>
           </a:p>
@@ -2346,7 +2351,7 @@
           <a:p>
             <a:fld id="{FCD4EAF1-B267-43B3-9567-E5E586B912C2}" type="datetimeFigureOut">
               <a:rPr lang="en-US" smtClean="0"/>
-              <a:t>9/28/2023</a:t>
+              <a:t>9/29/2023</a:t>
             </a:fld>
             <a:endParaRPr lang="en-US"/>
           </a:p>
@@ -2559,7 +2564,7 @@
           <a:p>
             <a:fld id="{FCD4EAF1-B267-43B3-9567-E5E586B912C2}" type="datetimeFigureOut">
               <a:rPr lang="en-US" smtClean="0"/>
-              <a:t>9/28/2023</a:t>
+              <a:t>9/29/2023</a:t>
             </a:fld>
             <a:endParaRPr lang="en-US"/>
           </a:p>
@@ -3770,12 +3775,12 @@
           <a:p>
             <a:pPr algn="ctr"/>
             <a:r>
-              <a:rPr lang="es-ES" dirty="0" smtClean="0">
+              <a:rPr lang="es-ES" smtClean="0">
                 <a:solidFill>
                   <a:schemeClr val="tx2"/>
                 </a:solidFill>
               </a:rPr>
-              <a:t>120</a:t>
+              <a:t>3</a:t>
             </a:r>
             <a:endParaRPr lang="en-US" dirty="0">
               <a:solidFill>
@@ -4313,7 +4318,7 @@
                   <a:schemeClr val="tx2"/>
                 </a:solidFill>
               </a:rPr>
-              <a:t>120</a:t>
+              <a:t>875.90</a:t>
             </a:r>
             <a:endParaRPr lang="en-US" dirty="0">
               <a:solidFill>
@@ -4347,7 +4352,7 @@
           <a:p>
             <a:r>
               <a:rPr lang="es-ES" dirty="0" smtClean="0"/>
-              <a:t>Subtotal:</a:t>
+              <a:t>Impuesto:</a:t>
             </a:r>
             <a:endParaRPr lang="en-US" dirty="0"/>
           </a:p>
@@ -4400,7 +4405,7 @@
                   <a:schemeClr val="tx2"/>
                 </a:solidFill>
               </a:rPr>
-              <a:t>120</a:t>
+              <a:t>157.66</a:t>
             </a:r>
             <a:endParaRPr lang="en-US" dirty="0">
               <a:solidFill>
@@ -4487,7 +4492,7 @@
                   <a:schemeClr val="tx2"/>
                 </a:solidFill>
               </a:rPr>
-              <a:t>120</a:t>
+              <a:t>1,033.56</a:t>
             </a:r>
             <a:endParaRPr lang="en-US" dirty="0">
               <a:solidFill>
